--- a/Media/DnDPresent.pptx
+++ b/Media/DnDPresent.pptx
@@ -126,6 +126,11 @@
       </a:defRPr>
     </a:lvl9pPr>
   </p:defaultTextStyle>
+  <p:extLst>
+    <p:ext uri="{EFAFB233-063F-42B5-8137-9DF3F51BA10A}">
+      <p15:sldGuideLst xmlns:p15="http://schemas.microsoft.com/office/powerpoint/2012/main"/>
+    </p:ext>
+  </p:extLst>
 </p:presentation>
 </file>
 
@@ -1486,7 +1491,7 @@
         <p:spPr>
           <a:xfrm>
             <a:off x="685800" y="1143000"/>
-            <a:ext cx="5485320" cy="3085200"/>
+            <a:ext cx="5484813" cy="3084513"/>
           </a:xfrm>
           <a:prstGeom prst="rect">
             <a:avLst/>
@@ -17056,7 +17061,7 @@
                 <a:latin typeface="Times New Roman"/>
                 <a:ea typeface="DejaVu Sans"/>
               </a:rPr>
-              <a:t>NGINX functionality</a:t>
+              <a:t>Rolling update functionality</a:t>
             </a:r>
             <a:endParaRPr lang="en-GB" sz="1600" b="0" strike="noStrike" spc="-1" dirty="0">
               <a:latin typeface="Arial"/>
@@ -17875,7 +17880,7 @@
               <a:buChar char="•"/>
             </a:pPr>
             <a:r>
-              <a:rPr lang="en-GB" sz="1600" b="0" strike="noStrike" spc="-1">
+              <a:rPr lang="en-GB" sz="1600" b="0" strike="noStrike" spc="-1" dirty="0">
                 <a:solidFill>
                   <a:srgbClr val="404040"/>
                 </a:solidFill>
@@ -17884,9 +17889,6 @@
               </a:rPr>
               <a:t>JSON requests are handled quite well</a:t>
             </a:r>
-            <a:endParaRPr lang="en-GB" sz="1600" b="0" strike="noStrike" spc="-1">
-              <a:latin typeface="Arial"/>
-            </a:endParaRPr>
           </a:p>
           <a:p>
             <a:pPr marL="542880" lvl="1" indent="-275040">
@@ -17902,17 +17904,7 @@
               <a:buFont typeface="Arial"/>
               <a:buChar char="•"/>
             </a:pPr>
-            <a:r>
-              <a:rPr lang="en-GB" sz="1600" b="0" strike="noStrike" spc="-1">
-                <a:solidFill>
-                  <a:srgbClr val="404040"/>
-                </a:solidFill>
-                <a:latin typeface="Times New Roman"/>
-                <a:ea typeface="DejaVu Sans"/>
-              </a:rPr>
-              <a:t>Admin can edit any user</a:t>
-            </a:r>
-            <a:endParaRPr lang="en-GB" sz="1600" b="0" strike="noStrike" spc="-1">
+            <a:endParaRPr lang="en-GB" sz="1600" b="0" strike="noStrike" spc="-1" dirty="0">
               <a:latin typeface="Arial"/>
             </a:endParaRPr>
           </a:p>
@@ -17925,7 +17917,7 @@
                 <a:spcPts val="499"/>
               </a:spcBef>
             </a:pPr>
-            <a:endParaRPr lang="en-GB" sz="1600" b="0" strike="noStrike" spc="-1">
+            <a:endParaRPr lang="en-GB" sz="1600" b="0" strike="noStrike" spc="-1" dirty="0">
               <a:latin typeface="Arial"/>
             </a:endParaRPr>
           </a:p>
@@ -17939,7 +17931,7 @@
               </a:spcBef>
             </a:pPr>
             <a:r>
-              <a:rPr lang="en-GB" sz="1600" b="0" strike="noStrike" spc="-1">
+              <a:rPr lang="en-GB" sz="1600" b="0" strike="noStrike" spc="-1" dirty="0">
                 <a:solidFill>
                   <a:srgbClr val="404040"/>
                 </a:solidFill>
@@ -17948,7 +17940,7 @@
               </a:rPr>
               <a:t> </a:t>
             </a:r>
-            <a:endParaRPr lang="en-GB" sz="1600" b="0" strike="noStrike" spc="-1">
+            <a:endParaRPr lang="en-GB" sz="1600" b="0" strike="noStrike" spc="-1" dirty="0">
               <a:latin typeface="Arial"/>
             </a:endParaRPr>
           </a:p>
@@ -18547,7 +18539,7 @@
               <a:buChar char="•"/>
             </a:pPr>
             <a:r>
-              <a:rPr lang="en-GB" sz="1600" b="0" strike="noStrike" spc="-1">
+              <a:rPr lang="en-GB" sz="1600" b="0" strike="noStrike" spc="-1" dirty="0">
                 <a:solidFill>
                   <a:srgbClr val="404040"/>
                 </a:solidFill>
@@ -18556,7 +18548,7 @@
               </a:rPr>
               <a:t>Improve aesthetic</a:t>
             </a:r>
-            <a:endParaRPr lang="en-GB" sz="1600" b="0" strike="noStrike" spc="-1">
+            <a:endParaRPr lang="en-GB" sz="1600" b="0" strike="noStrike" spc="-1" dirty="0">
               <a:latin typeface="Arial"/>
             </a:endParaRPr>
           </a:p>
@@ -18575,7 +18567,7 @@
               <a:buChar char="•"/>
             </a:pPr>
             <a:r>
-              <a:rPr lang="en-GB" sz="1600" b="0" strike="noStrike" spc="-1">
+              <a:rPr lang="en-GB" sz="1600" b="0" strike="noStrike" spc="-1" dirty="0">
                 <a:solidFill>
                   <a:srgbClr val="404040"/>
                 </a:solidFill>
@@ -18584,7 +18576,7 @@
               </a:rPr>
               <a:t>User class’</a:t>
             </a:r>
-            <a:endParaRPr lang="en-GB" sz="1600" b="0" strike="noStrike" spc="-1">
+            <a:endParaRPr lang="en-GB" sz="1600" b="0" strike="noStrike" spc="-1" dirty="0">
               <a:latin typeface="Arial"/>
             </a:endParaRPr>
           </a:p>
@@ -18603,7 +18595,7 @@
               <a:buChar char="•"/>
             </a:pPr>
             <a:r>
-              <a:rPr lang="en-GB" sz="1600" b="0" strike="noStrike" spc="-1">
+              <a:rPr lang="en-GB" sz="1600" b="0" strike="noStrike" spc="-1" dirty="0">
                 <a:solidFill>
                   <a:srgbClr val="404040"/>
                 </a:solidFill>
@@ -18612,7 +18604,7 @@
               </a:rPr>
               <a:t>Integration testing</a:t>
             </a:r>
-            <a:endParaRPr lang="en-GB" sz="1600" b="0" strike="noStrike" spc="-1">
+            <a:endParaRPr lang="en-GB" sz="1600" b="0" strike="noStrike" spc="-1" dirty="0">
               <a:latin typeface="Arial"/>
             </a:endParaRPr>
           </a:p>
@@ -18631,7 +18623,7 @@
               <a:buChar char="•"/>
             </a:pPr>
             <a:r>
-              <a:rPr lang="en-GB" sz="1600" b="0" strike="noStrike" spc="-1">
+              <a:rPr lang="en-GB" sz="1600" b="0" strike="noStrike" spc="-1" dirty="0">
                 <a:solidFill>
                   <a:srgbClr val="404040"/>
                 </a:solidFill>
@@ -18640,7 +18632,7 @@
               </a:rPr>
               <a:t>Admin ability to delete users</a:t>
             </a:r>
-            <a:endParaRPr lang="en-GB" sz="1600" b="0" strike="noStrike" spc="-1">
+            <a:endParaRPr lang="en-GB" sz="1600" b="0" strike="noStrike" spc="-1" dirty="0">
               <a:latin typeface="Arial"/>
             </a:endParaRPr>
           </a:p>
@@ -18659,7 +18651,7 @@
               <a:buChar char="•"/>
             </a:pPr>
             <a:r>
-              <a:rPr lang="en-GB" sz="1600" b="0" strike="noStrike" spc="-1">
+              <a:rPr lang="en-GB" sz="1600" b="0" strike="noStrike" spc="-1" dirty="0">
                 <a:solidFill>
                   <a:srgbClr val="404040"/>
                 </a:solidFill>
@@ -18668,7 +18660,7 @@
               </a:rPr>
               <a:t>Inventory system</a:t>
             </a:r>
-            <a:endParaRPr lang="en-GB" sz="1600" b="0" strike="noStrike" spc="-1">
+            <a:endParaRPr lang="en-GB" sz="1600" b="0" strike="noStrike" spc="-1" dirty="0">
               <a:latin typeface="Arial"/>
             </a:endParaRPr>
           </a:p>
@@ -18682,7 +18674,7 @@
               </a:spcBef>
             </a:pPr>
             <a:r>
-              <a:rPr lang="en-GB" sz="1600" b="0" strike="noStrike" spc="-1">
+              <a:rPr lang="en-GB" sz="1600" b="0" strike="noStrike" spc="-1" dirty="0">
                 <a:solidFill>
                   <a:srgbClr val="404040"/>
                 </a:solidFill>
@@ -18691,7 +18683,7 @@
               </a:rPr>
               <a:t> </a:t>
             </a:r>
-            <a:endParaRPr lang="en-GB" sz="1600" b="0" strike="noStrike" spc="-1">
+            <a:endParaRPr lang="en-GB" sz="1600" b="0" strike="noStrike" spc="-1" dirty="0">
               <a:latin typeface="Arial"/>
             </a:endParaRPr>
           </a:p>
@@ -19632,7 +19624,7 @@
               </a:lnSpc>
             </a:pPr>
             <a:r>
-              <a:rPr lang="en-GB" sz="1600" b="0" i="1" strike="noStrike" spc="-1">
+              <a:rPr lang="en-GB" sz="1600" b="0" strike="noStrike" spc="-1" dirty="0">
                 <a:solidFill>
                   <a:srgbClr val="000000"/>
                 </a:solidFill>
@@ -19641,7 +19633,7 @@
               </a:rPr>
               <a:t>To create a service-orientated application that is composed of at least 4 services that work together.</a:t>
             </a:r>
-            <a:endParaRPr lang="en-GB" sz="1600" b="0" strike="noStrike" spc="-1">
+            <a:endParaRPr lang="en-GB" sz="1600" b="0" strike="noStrike" spc="-1" dirty="0">
               <a:latin typeface="Arial"/>
             </a:endParaRPr>
           </a:p>
@@ -21614,30 +21606,6 @@
           </a:p>
         </p:txBody>
       </p:sp>
-      <p:pic>
-        <p:nvPicPr>
-          <p:cNvPr id="311" name="Picture Placeholder 7"/>
-          <p:cNvPicPr/>
-          <p:nvPr/>
-        </p:nvPicPr>
-        <p:blipFill>
-          <a:blip r:embed="rId3"/>
-          <a:srcRect l="4677" r="4677"/>
-          <a:stretch/>
-        </p:blipFill>
-        <p:spPr>
-          <a:xfrm>
-            <a:off x="7560360" y="1344960"/>
-            <a:ext cx="3736440" cy="3932640"/>
-          </a:xfrm>
-          <a:prstGeom prst="rect">
-            <a:avLst/>
-          </a:prstGeom>
-          <a:ln>
-            <a:noFill/>
-          </a:ln>
-        </p:spPr>
-      </p:pic>
       <p:sp>
         <p:nvSpPr>
           <p:cNvPr id="312" name="CustomShape 4"/>
@@ -21683,6 +21651,77 @@
             <a:extLst>
               <a:ext uri="{FF2B5EF4-FFF2-40B4-BE49-F238E27FC236}">
                 <a16:creationId xmlns:a16="http://schemas.microsoft.com/office/drawing/2014/main" id="{251CB755-2EDE-4781-B612-EE10CC8A2BDD}"/>
+              </a:ext>
+            </a:extLst>
+          </p:cNvPr>
+          <p:cNvPicPr>
+            <a:picLocks noChangeAspect="1"/>
+          </p:cNvPicPr>
+          <p:nvPr/>
+        </p:nvPicPr>
+        <p:blipFill>
+          <a:blip r:embed="rId3">
+            <a:extLst>
+              <a:ext uri="{28A0092B-C50C-407E-A947-70E740481C1C}">
+                <a14:useLocalDpi xmlns:a14="http://schemas.microsoft.com/office/drawing/2010/main" val="0"/>
+              </a:ext>
+            </a:extLst>
+          </a:blip>
+          <a:stretch>
+            <a:fillRect/>
+          </a:stretch>
+        </p:blipFill>
+        <p:spPr>
+          <a:xfrm>
+            <a:off x="752200" y="1595700"/>
+            <a:ext cx="4686300" cy="4686300"/>
+          </a:xfrm>
+          <a:prstGeom prst="rect">
+            <a:avLst/>
+          </a:prstGeom>
+        </p:spPr>
+      </p:pic>
+      <p:sp>
+        <p:nvSpPr>
+          <p:cNvPr id="5" name="TextBox 4">
+            <a:extLst>
+              <a:ext uri="{FF2B5EF4-FFF2-40B4-BE49-F238E27FC236}">
+                <a16:creationId xmlns:a16="http://schemas.microsoft.com/office/drawing/2014/main" id="{47A93390-82DF-4408-9AEE-7A1CE1BA9248}"/>
+              </a:ext>
+            </a:extLst>
+          </p:cNvPr>
+          <p:cNvSpPr txBox="1"/>
+          <p:nvPr/>
+        </p:nvSpPr>
+        <p:spPr>
+          <a:xfrm>
+            <a:off x="3386205" y="2353316"/>
+            <a:ext cx="1949450" cy="307777"/>
+          </a:xfrm>
+          <a:prstGeom prst="rect">
+            <a:avLst/>
+          </a:prstGeom>
+          <a:noFill/>
+        </p:spPr>
+        <p:txBody>
+          <a:bodyPr wrap="square" rtlCol="0">
+            <a:spAutoFit/>
+          </a:bodyPr>
+          <a:lstStyle/>
+          <a:p>
+            <a:r>
+              <a:rPr lang="en-GB" sz="1400" dirty="0"/>
+              <a:t>Web server</a:t>
+            </a:r>
+          </a:p>
+        </p:txBody>
+      </p:sp>
+      <p:pic>
+        <p:nvPicPr>
+          <p:cNvPr id="4" name="Picture 3" descr="A picture containing display, large, light, lot&#10;&#10;Description automatically generated">
+            <a:extLst>
+              <a:ext uri="{FF2B5EF4-FFF2-40B4-BE49-F238E27FC236}">
+                <a16:creationId xmlns:a16="http://schemas.microsoft.com/office/drawing/2014/main" id="{CF194CC6-EDB2-45F7-A093-A58B3836201A}"/>
               </a:ext>
             </a:extLst>
           </p:cNvPr>
@@ -21705,49 +21744,14 @@
         </p:blipFill>
         <p:spPr>
           <a:xfrm>
-            <a:off x="752200" y="1595700"/>
-            <a:ext cx="4686300" cy="4686300"/>
+            <a:off x="5774625" y="1595700"/>
+            <a:ext cx="5950215" cy="4102042"/>
           </a:xfrm>
           <a:prstGeom prst="rect">
             <a:avLst/>
           </a:prstGeom>
         </p:spPr>
       </p:pic>
-      <p:sp>
-        <p:nvSpPr>
-          <p:cNvPr id="5" name="TextBox 4">
-            <a:extLst>
-              <a:ext uri="{FF2B5EF4-FFF2-40B4-BE49-F238E27FC236}">
-                <a16:creationId xmlns:a16="http://schemas.microsoft.com/office/drawing/2014/main" id="{47A93390-82DF-4408-9AEE-7A1CE1BA9248}"/>
-              </a:ext>
-            </a:extLst>
-          </p:cNvPr>
-          <p:cNvSpPr txBox="1"/>
-          <p:nvPr/>
-        </p:nvSpPr>
-        <p:spPr>
-          <a:xfrm>
-            <a:off x="3386205" y="2353316"/>
-            <a:ext cx="1949450" cy="307777"/>
-          </a:xfrm>
-          <a:prstGeom prst="rect">
-            <a:avLst/>
-          </a:prstGeom>
-          <a:noFill/>
-        </p:spPr>
-        <p:txBody>
-          <a:bodyPr wrap="square" rtlCol="0">
-            <a:spAutoFit/>
-          </a:bodyPr>
-          <a:lstStyle/>
-          <a:p>
-            <a:r>
-              <a:rPr lang="en-GB" sz="1400" dirty="0"/>
-              <a:t>Web server</a:t>
-            </a:r>
-          </a:p>
-        </p:txBody>
-      </p:sp>
     </p:spTree>
     <p:extLst>
       <p:ext uri="{BB962C8B-B14F-4D97-AF65-F5344CB8AC3E}">
